--- a/SISTEMA WEB DE CONTROL DE ASISTENCIA PARA PEQUEÑAS.pptx
+++ b/SISTEMA WEB DE CONTROL DE ASISTENCIA PARA PEQUEÑAS.pptx
@@ -120,6 +120,11 @@
       </a:defRPr>
     </a:lvl9pPr>
   </p:defaultTextStyle>
+  <p:extLst>
+    <p:ext uri="{EFAFB233-063F-42B5-8137-9DF3F51BA10A}">
+      <p15:sldGuideLst xmlns:p15="http://schemas.microsoft.com/office/powerpoint/2012/main"/>
+    </p:ext>
+  </p:extLst>
 </p:presentation>
 </file>
 
@@ -218,7 +223,7 @@
           <a:effectLst/>
           <a:extLst>
             <a:ext uri="{91240B29-F687-4f45-9708-019B960494DF}">
-              <a14:hiddenLine xmlns:a14="http://schemas.microsoft.com/office/drawing/2010/main" xmlns="" w="9525">
+              <a14:hiddenLine xmlns="" xmlns:a14="http://schemas.microsoft.com/office/drawing/2010/main" w="9525">
                 <a:solidFill>
                   <a:srgbClr val="000000"/>
                 </a:solidFill>
@@ -411,7 +416,7 @@
             <a:fld id="{08B9EBBA-996F-894A-B54A-D6246ED52CEA}" type="datetimeFigureOut">
               <a:rPr lang="en-US" dirty="0"/>
               <a:pPr/>
-              <a:t>8/2/2021</a:t>
+              <a:t>9/21/2021</a:t>
             </a:fld>
             <a:endParaRPr lang="en-US" dirty="0"/>
           </a:p>
@@ -726,7 +731,7 @@
             <a:fld id="{18C79C5D-2A6F-F04D-97DA-BEF2467B64E4}" type="datetimeFigureOut">
               <a:rPr lang="en-US" dirty="0"/>
               <a:pPr/>
-              <a:t>8/2/2021</a:t>
+              <a:t>9/21/2021</a:t>
             </a:fld>
             <a:endParaRPr lang="en-US" dirty="0"/>
           </a:p>
@@ -1211,7 +1216,7 @@
             <a:fld id="{8DFA1846-DA80-1C48-A609-854EA85C59AD}" type="datetimeFigureOut">
               <a:rPr lang="en-US" dirty="0"/>
               <a:pPr/>
-              <a:t>8/2/2021</a:t>
+              <a:t>9/21/2021</a:t>
             </a:fld>
             <a:endParaRPr lang="en-US" dirty="0"/>
           </a:p>
@@ -1577,7 +1582,7 @@
             <a:fld id="{FBF54567-0DE4-3F47-BF90-CB84690072F9}" type="datetimeFigureOut">
               <a:rPr lang="en-US" dirty="0"/>
               <a:pPr/>
-              <a:t>8/2/2021</a:t>
+              <a:t>9/21/2021</a:t>
             </a:fld>
             <a:endParaRPr lang="en-US" dirty="0"/>
           </a:p>
@@ -1728,7 +1733,7 @@
           <a:ln/>
           <a:extLst>
             <a:ext uri="{91240B29-F687-4f45-9708-019B960494DF}">
-              <a14:hiddenLine xmlns:a14="http://schemas.microsoft.com/office/drawing/2010/main" xmlns="" w="9525">
+              <a14:hiddenLine xmlns="" xmlns:a14="http://schemas.microsoft.com/office/drawing/2010/main" w="9525">
                 <a:solidFill>
                   <a:srgbClr val="000000"/>
                 </a:solidFill>
@@ -1847,7 +1852,7 @@
             <a:fld id="{C6C52C72-DE31-F449-A4ED-4C594FD91407}" type="datetimeFigureOut">
               <a:rPr lang="en-US" dirty="0"/>
               <a:pPr/>
-              <a:t>8/2/2021</a:t>
+              <a:t>9/21/2021</a:t>
             </a:fld>
             <a:endParaRPr lang="en-US" dirty="0"/>
           </a:p>
@@ -2000,7 +2005,7 @@
           <a:ln/>
           <a:extLst>
             <a:ext uri="{91240B29-F687-4f45-9708-019B960494DF}">
-              <a14:hiddenLine xmlns:a14="http://schemas.microsoft.com/office/drawing/2010/main" xmlns="" w="9525">
+              <a14:hiddenLine xmlns="" xmlns:a14="http://schemas.microsoft.com/office/drawing/2010/main" w="9525">
                 <a:solidFill>
                   <a:srgbClr val="000000"/>
                 </a:solidFill>
@@ -2129,7 +2134,7 @@
             <a:fld id="{ED62726E-379B-B349-9EED-81ED093FA806}" type="datetimeFigureOut">
               <a:rPr lang="en-US" dirty="0"/>
               <a:pPr/>
-              <a:t>8/2/2021</a:t>
+              <a:t>9/21/2021</a:t>
             </a:fld>
             <a:endParaRPr lang="en-US" dirty="0"/>
           </a:p>
@@ -2280,7 +2285,7 @@
           <a:ln/>
           <a:extLst>
             <a:ext uri="{91240B29-F687-4f45-9708-019B960494DF}">
-              <a14:hiddenLine xmlns:a14="http://schemas.microsoft.com/office/drawing/2010/main" xmlns="" w="9525">
+              <a14:hiddenLine xmlns="" xmlns:a14="http://schemas.microsoft.com/office/drawing/2010/main" w="9525">
                 <a:solidFill>
                   <a:srgbClr val="000000"/>
                 </a:solidFill>
@@ -2409,7 +2414,7 @@
             <a:fld id="{9B3A1323-8D79-1946-B0D7-40001CF92E9D}" type="datetimeFigureOut">
               <a:rPr lang="en-US" dirty="0"/>
               <a:pPr/>
-              <a:t>8/2/2021</a:t>
+              <a:t>9/21/2021</a:t>
             </a:fld>
             <a:endParaRPr lang="en-US" dirty="0"/>
           </a:p>
@@ -2749,7 +2754,7 @@
             <a:fld id="{8DFA1846-DA80-1C48-A609-854EA85C59AD}" type="datetimeFigureOut">
               <a:rPr lang="en-US" dirty="0"/>
               <a:pPr/>
-              <a:t>8/2/2021</a:t>
+              <a:t>9/21/2021</a:t>
             </a:fld>
             <a:endParaRPr lang="en-US" dirty="0"/>
           </a:p>
@@ -2900,7 +2905,7 @@
           <a:ln/>
           <a:extLst>
             <a:ext uri="{91240B29-F687-4f45-9708-019B960494DF}">
-              <a14:hiddenLine xmlns:a14="http://schemas.microsoft.com/office/drawing/2010/main" xmlns="" w="9525">
+              <a14:hiddenLine xmlns="" xmlns:a14="http://schemas.microsoft.com/office/drawing/2010/main" w="9525">
                 <a:solidFill>
                   <a:srgbClr val="000000"/>
                 </a:solidFill>
@@ -3085,7 +3090,7 @@
             <a:fld id="{57302355-E14B-8545-A8F8-0FE83CC9D524}" type="datetimeFigureOut">
               <a:rPr lang="en-US" dirty="0"/>
               <a:pPr/>
-              <a:t>8/2/2021</a:t>
+              <a:t>9/21/2021</a:t>
             </a:fld>
             <a:endParaRPr lang="en-US" dirty="0"/>
           </a:p>
@@ -3236,7 +3241,7 @@
           <a:ln/>
           <a:extLst>
             <a:ext uri="{91240B29-F687-4f45-9708-019B960494DF}">
-              <a14:hiddenLine xmlns:a14="http://schemas.microsoft.com/office/drawing/2010/main" xmlns="" w="9525">
+              <a14:hiddenLine xmlns="" xmlns:a14="http://schemas.microsoft.com/office/drawing/2010/main" w="9525">
                 <a:solidFill>
                   <a:srgbClr val="000000"/>
                 </a:solidFill>
@@ -3559,7 +3564,7 @@
             <a:fld id="{02640F58-564D-2B4F-AE67-E407BA4FCF45}" type="datetimeFigureOut">
               <a:rPr lang="en-US" dirty="0"/>
               <a:pPr/>
-              <a:t>8/2/2021</a:t>
+              <a:t>9/21/2021</a:t>
             </a:fld>
             <a:endParaRPr lang="en-US" dirty="0"/>
           </a:p>
@@ -3710,7 +3715,7 @@
           <a:ln/>
           <a:extLst>
             <a:ext uri="{91240B29-F687-4f45-9708-019B960494DF}">
-              <a14:hiddenLine xmlns:a14="http://schemas.microsoft.com/office/drawing/2010/main" xmlns="" w="9525">
+              <a14:hiddenLine xmlns="" xmlns:a14="http://schemas.microsoft.com/office/drawing/2010/main" w="9525">
                 <a:solidFill>
                   <a:srgbClr val="000000"/>
                 </a:solidFill>
@@ -3777,7 +3782,7 @@
             <a:fld id="{F13A34C8-038E-2045-AF43-DF7DBB8E0E9E}" type="datetimeFigureOut">
               <a:rPr lang="en-US" dirty="0"/>
               <a:pPr/>
-              <a:t>8/2/2021</a:t>
+              <a:t>9/21/2021</a:t>
             </a:fld>
             <a:endParaRPr lang="en-US" dirty="0"/>
           </a:p>
@@ -3869,7 +3874,7 @@
             <a:fld id="{8818C68F-D26B-8F47-958C-23B49CF8A634}" type="datetimeFigureOut">
               <a:rPr lang="en-US" dirty="0"/>
               <a:pPr/>
-              <a:t>8/2/2021</a:t>
+              <a:t>9/21/2021</a:t>
             </a:fld>
             <a:endParaRPr lang="en-US" dirty="0"/>
           </a:p>
@@ -4133,7 +4138,7 @@
           <a:ln/>
           <a:extLst>
             <a:ext uri="{91240B29-F687-4f45-9708-019B960494DF}">
-              <a14:hiddenLine xmlns:a14="http://schemas.microsoft.com/office/drawing/2010/main" xmlns="" w="9525">
+              <a14:hiddenLine xmlns="" xmlns:a14="http://schemas.microsoft.com/office/drawing/2010/main" w="9525">
                 <a:solidFill>
                   <a:srgbClr val="000000"/>
                 </a:solidFill>
@@ -4333,7 +4338,7 @@
             <a:fld id="{D0DF5E60-9974-AC48-9591-99C2BB44B7CF}" type="datetimeFigureOut">
               <a:rPr lang="en-US" dirty="0"/>
               <a:pPr/>
-              <a:t>8/2/2021</a:t>
+              <a:t>9/21/2021</a:t>
             </a:fld>
             <a:endParaRPr lang="en-US" dirty="0"/>
           </a:p>
@@ -4643,7 +4648,7 @@
             <a:fld id="{18C79C5D-2A6F-F04D-97DA-BEF2467B64E4}" type="datetimeFigureOut">
               <a:rPr lang="en-US" dirty="0"/>
               <a:pPr/>
-              <a:t>8/2/2021</a:t>
+              <a:t>9/21/2021</a:t>
             </a:fld>
             <a:endParaRPr lang="en-US" dirty="0"/>
           </a:p>
@@ -4910,7 +4915,7 @@
             <a:fld id="{09B482E8-6E0E-1B4F-B1FD-C69DB9E858D9}" type="datetimeFigureOut">
               <a:rPr lang="en-US" dirty="0"/>
               <a:pPr/>
-              <a:t>8/2/2021</a:t>
+              <a:t>9/21/2021</a:t>
             </a:fld>
             <a:endParaRPr lang="en-US" dirty="0"/>
           </a:p>
@@ -6036,7 +6041,7 @@
         </p:spPr>
         <p:txBody>
           <a:bodyPr>
-            <a:normAutofit fontScale="85000" lnSpcReduction="10000"/>
+            <a:normAutofit/>
           </a:bodyPr>
           <a:lstStyle/>
           <a:p>
@@ -6048,19 +6053,7 @@
           <a:p>
             <a:r>
               <a:rPr lang="es-MX" dirty="0"/>
-              <a:t>La información obtenida junto con la respectiva recopilación de documentos, permitieron identificar las entidades y relaciones que existen dentro del proceso de registro de asistencia, para posteriormente lograr realizar el modelado de la base de datos, reemplazando así los archivadores físicos por almacenamiento digital.</a:t>
-            </a:r>
-          </a:p>
-          <a:p>
-            <a:r>
-              <a:rPr lang="es-MX" dirty="0"/>
               <a:t>Se determinó que la metodología de desarrollo a aplicar sería Scrum y de acuerdo a la implementación tecnológica, se estableció que la arquitectura del sistema sería Cliente - Servidor, desarrollando a partir de esto un sistema web con interfaces gráficas simples y fáciles de interpretar para el usuario.</a:t>
-            </a:r>
-          </a:p>
-          <a:p>
-            <a:r>
-              <a:rPr lang="es-MX" dirty="0"/>
-              <a:t>Se validó la funcionalidad de cada módulo del sistema tras realizar las pruebas conjuntamente con el usuario, determinando el cumplimiento de los requerimientos funcionales planteados.</a:t>
             </a:r>
           </a:p>
           <a:p>
@@ -6262,13 +6255,13 @@
           <a:lstStyle/>
           <a:p>
             <a:r>
-              <a:rPr lang="es-EC" sz="3200" dirty="0">
+              <a:rPr lang="es-EC" sz="2400" dirty="0">
                 <a:hlinkClick r:id="rId2"/>
               </a:rPr>
-              <a:t>http://localhost/asistenciaempresarial</a:t>
-            </a:r>
-            <a:r>
-              <a:rPr lang="es-EC" sz="3200" dirty="0"/>
+              <a:t>https://redtrabajo-ec.com/asistenciaEmpresarial/</a:t>
+            </a:r>
+            <a:r>
+              <a:rPr lang="es-EC" sz="2400" dirty="0"/>
               <a:t> </a:t>
             </a:r>
           </a:p>
@@ -6327,7 +6320,7 @@
           <a:p>
             <a:r>
               <a:rPr lang="es-MX" dirty="0"/>
-              <a:t>Antecedentes de la situación objeto de estudio </a:t>
+              <a:t>Antecedentes</a:t>
             </a:r>
             <a:endParaRPr lang="es-EC" dirty="0"/>
           </a:p>
@@ -6691,15 +6684,6 @@
               <a:rPr lang="es-MX" dirty="0"/>
               <a:t> y la lógica que conlleva el sistema</a:t>
             </a:r>
-          </a:p>
-          <a:p>
-            <a:pPr lvl="1"/>
-            <a:r>
-              <a:rPr lang="es-MX" dirty="0"/>
-              <a:t>•	Realizar pruebas funcionales </a:t>
-            </a:r>
-          </a:p>
-          <a:p>
             <a:endParaRPr lang="es-EC" dirty="0"/>
           </a:p>
         </p:txBody>
